--- a/architecture.pptx
+++ b/architecture.pptx
@@ -7,6 +7,7 @@
   <p:sldIdLst>
     <p:sldId id="256" r:id="rId2"/>
     <p:sldId id="257" r:id="rId3"/>
+    <p:sldId id="258" r:id="rId4"/>
   </p:sldIdLst>
   <p:sldSz cx="12192000" cy="6858000"/>
   <p:notesSz cx="6858000" cy="9144000"/>
@@ -105,6 +106,11 @@
       </a:defRPr>
     </a:lvl9pPr>
   </p:defaultTextStyle>
+  <p:extLst>
+    <p:ext uri="{EFAFB233-063F-42B5-8137-9DF3F51BA10A}">
+      <p15:sldGuideLst xmlns:p15="http://schemas.microsoft.com/office/powerpoint/2012/main"/>
+    </p:ext>
+  </p:extLst>
 </p:presentation>
 </file>
 
@@ -257,7 +263,7 @@
           <a:p>
             <a:fld id="{EDFBD211-52FF-48A4-9406-F4BEE37141E9}" type="datetimeFigureOut">
               <a:rPr lang="en-GB" smtClean="0"/>
-              <a:t>03/08/2020</a:t>
+              <a:t>04/08/2020</a:t>
             </a:fld>
             <a:endParaRPr lang="en-GB"/>
           </a:p>
@@ -457,7 +463,7 @@
           <a:p>
             <a:fld id="{EDFBD211-52FF-48A4-9406-F4BEE37141E9}" type="datetimeFigureOut">
               <a:rPr lang="en-GB" smtClean="0"/>
-              <a:t>03/08/2020</a:t>
+              <a:t>04/08/2020</a:t>
             </a:fld>
             <a:endParaRPr lang="en-GB"/>
           </a:p>
@@ -667,7 +673,7 @@
           <a:p>
             <a:fld id="{EDFBD211-52FF-48A4-9406-F4BEE37141E9}" type="datetimeFigureOut">
               <a:rPr lang="en-GB" smtClean="0"/>
-              <a:t>03/08/2020</a:t>
+              <a:t>04/08/2020</a:t>
             </a:fld>
             <a:endParaRPr lang="en-GB"/>
           </a:p>
@@ -867,7 +873,7 @@
           <a:p>
             <a:fld id="{EDFBD211-52FF-48A4-9406-F4BEE37141E9}" type="datetimeFigureOut">
               <a:rPr lang="en-GB" smtClean="0"/>
-              <a:t>03/08/2020</a:t>
+              <a:t>04/08/2020</a:t>
             </a:fld>
             <a:endParaRPr lang="en-GB"/>
           </a:p>
@@ -1143,7 +1149,7 @@
           <a:p>
             <a:fld id="{EDFBD211-52FF-48A4-9406-F4BEE37141E9}" type="datetimeFigureOut">
               <a:rPr lang="en-GB" smtClean="0"/>
-              <a:t>03/08/2020</a:t>
+              <a:t>04/08/2020</a:t>
             </a:fld>
             <a:endParaRPr lang="en-GB"/>
           </a:p>
@@ -1411,7 +1417,7 @@
           <a:p>
             <a:fld id="{EDFBD211-52FF-48A4-9406-F4BEE37141E9}" type="datetimeFigureOut">
               <a:rPr lang="en-GB" smtClean="0"/>
-              <a:t>03/08/2020</a:t>
+              <a:t>04/08/2020</a:t>
             </a:fld>
             <a:endParaRPr lang="en-GB"/>
           </a:p>
@@ -1826,7 +1832,7 @@
           <a:p>
             <a:fld id="{EDFBD211-52FF-48A4-9406-F4BEE37141E9}" type="datetimeFigureOut">
               <a:rPr lang="en-GB" smtClean="0"/>
-              <a:t>03/08/2020</a:t>
+              <a:t>04/08/2020</a:t>
             </a:fld>
             <a:endParaRPr lang="en-GB"/>
           </a:p>
@@ -1968,7 +1974,7 @@
           <a:p>
             <a:fld id="{EDFBD211-52FF-48A4-9406-F4BEE37141E9}" type="datetimeFigureOut">
               <a:rPr lang="en-GB" smtClean="0"/>
-              <a:t>03/08/2020</a:t>
+              <a:t>04/08/2020</a:t>
             </a:fld>
             <a:endParaRPr lang="en-GB"/>
           </a:p>
@@ -2081,7 +2087,7 @@
           <a:p>
             <a:fld id="{EDFBD211-52FF-48A4-9406-F4BEE37141E9}" type="datetimeFigureOut">
               <a:rPr lang="en-GB" smtClean="0"/>
-              <a:t>03/08/2020</a:t>
+              <a:t>04/08/2020</a:t>
             </a:fld>
             <a:endParaRPr lang="en-GB"/>
           </a:p>
@@ -2394,7 +2400,7 @@
           <a:p>
             <a:fld id="{EDFBD211-52FF-48A4-9406-F4BEE37141E9}" type="datetimeFigureOut">
               <a:rPr lang="en-GB" smtClean="0"/>
-              <a:t>03/08/2020</a:t>
+              <a:t>04/08/2020</a:t>
             </a:fld>
             <a:endParaRPr lang="en-GB"/>
           </a:p>
@@ -2683,7 +2689,7 @@
           <a:p>
             <a:fld id="{EDFBD211-52FF-48A4-9406-F4BEE37141E9}" type="datetimeFigureOut">
               <a:rPr lang="en-GB" smtClean="0"/>
-              <a:t>03/08/2020</a:t>
+              <a:t>04/08/2020</a:t>
             </a:fld>
             <a:endParaRPr lang="en-GB"/>
           </a:p>
@@ -2926,7 +2932,7 @@
           <a:p>
             <a:fld id="{EDFBD211-52FF-48A4-9406-F4BEE37141E9}" type="datetimeFigureOut">
               <a:rPr lang="en-GB" smtClean="0"/>
-              <a:t>03/08/2020</a:t>
+              <a:t>04/08/2020</a:t>
             </a:fld>
             <a:endParaRPr lang="en-GB"/>
           </a:p>
@@ -3589,98 +3595,77 @@
           <a:chExt cx="0" cy="0"/>
         </a:xfrm>
       </p:grpSpPr>
-      <p:grpSp>
-        <p:nvGrpSpPr>
-          <p:cNvPr id="53" name="Group 52">
-            <a:extLst>
-              <a:ext uri="{FF2B5EF4-FFF2-40B4-BE49-F238E27FC236}">
-                <a16:creationId xmlns:a16="http://schemas.microsoft.com/office/drawing/2014/main" id="{ABC4804C-0811-4CF3-A10E-03F0B12AC2E2}"/>
-              </a:ext>
-            </a:extLst>
-          </p:cNvPr>
-          <p:cNvGrpSpPr/>
+      <p:pic>
+        <p:nvPicPr>
+          <p:cNvPr id="4" name="Picture 3" descr="A picture containing window, drawing&#10;&#10;Description automatically generated">
+            <a:extLst>
+              <a:ext uri="{FF2B5EF4-FFF2-40B4-BE49-F238E27FC236}">
+                <a16:creationId xmlns:a16="http://schemas.microsoft.com/office/drawing/2014/main" id="{0877223C-0129-4F9E-B572-111A46D32383}"/>
+              </a:ext>
+            </a:extLst>
+          </p:cNvPr>
+          <p:cNvPicPr>
+            <a:picLocks noChangeAspect="1"/>
+          </p:cNvPicPr>
           <p:nvPr/>
-        </p:nvGrpSpPr>
-        <p:grpSpPr>
-          <a:xfrm>
-            <a:off x="2966501" y="838318"/>
-            <a:ext cx="1006532" cy="880927"/>
-            <a:chOff x="375701" y="287984"/>
-            <a:chExt cx="1006532" cy="880927"/>
-          </a:xfrm>
-        </p:grpSpPr>
-        <p:pic>
-          <p:nvPicPr>
-            <p:cNvPr id="4" name="Picture 3" descr="A picture containing window, drawing&#10;&#10;Description automatically generated">
-              <a:extLst>
-                <a:ext uri="{FF2B5EF4-FFF2-40B4-BE49-F238E27FC236}">
-                  <a16:creationId xmlns:a16="http://schemas.microsoft.com/office/drawing/2014/main" id="{0877223C-0129-4F9E-B572-111A46D32383}"/>
-                </a:ext>
-              </a:extLst>
-            </p:cNvPr>
-            <p:cNvPicPr>
-              <a:picLocks noChangeAspect="1"/>
-            </p:cNvPicPr>
-            <p:nvPr/>
-          </p:nvPicPr>
-          <p:blipFill>
-            <a:blip r:embed="rId2">
-              <a:extLst>
-                <a:ext uri="{28A0092B-C50C-407E-A947-70E740481C1C}">
-                  <a14:useLocalDpi xmlns:a14="http://schemas.microsoft.com/office/drawing/2010/main" val="0"/>
-                </a:ext>
-              </a:extLst>
-            </a:blip>
-            <a:stretch>
-              <a:fillRect/>
-            </a:stretch>
-          </p:blipFill>
-          <p:spPr>
-            <a:xfrm>
-              <a:off x="375701" y="287984"/>
-              <a:ext cx="1006532" cy="711650"/>
-            </a:xfrm>
-            <a:prstGeom prst="rect">
-              <a:avLst/>
-            </a:prstGeom>
-          </p:spPr>
-        </p:pic>
-        <p:sp>
-          <p:nvSpPr>
-            <p:cNvPr id="5" name="TextBox 4">
-              <a:extLst>
-                <a:ext uri="{FF2B5EF4-FFF2-40B4-BE49-F238E27FC236}">
-                  <a16:creationId xmlns:a16="http://schemas.microsoft.com/office/drawing/2014/main" id="{73E4C713-6573-428C-92C5-14B4AEBEA9DA}"/>
-                </a:ext>
-              </a:extLst>
-            </p:cNvPr>
-            <p:cNvSpPr txBox="1"/>
-            <p:nvPr/>
-          </p:nvSpPr>
-          <p:spPr>
-            <a:xfrm>
-              <a:off x="500337" y="830357"/>
-              <a:ext cx="757259" cy="338554"/>
-            </a:xfrm>
-            <a:prstGeom prst="rect">
-              <a:avLst/>
-            </a:prstGeom>
-            <a:noFill/>
-          </p:spPr>
-          <p:txBody>
-            <a:bodyPr wrap="none" rtlCol="0">
-              <a:spAutoFit/>
-            </a:bodyPr>
-            <a:lstStyle/>
-            <a:p>
-              <a:r>
-                <a:rPr lang="en-GB" sz="1600" dirty="0"/>
-                <a:t>Trigger</a:t>
-              </a:r>
-            </a:p>
-          </p:txBody>
-        </p:sp>
-      </p:grpSp>
+        </p:nvPicPr>
+        <p:blipFill>
+          <a:blip r:embed="rId2">
+            <a:extLst>
+              <a:ext uri="{28A0092B-C50C-407E-A947-70E740481C1C}">
+                <a14:useLocalDpi xmlns:a14="http://schemas.microsoft.com/office/drawing/2010/main" val="0"/>
+              </a:ext>
+            </a:extLst>
+          </a:blip>
+          <a:stretch>
+            <a:fillRect/>
+          </a:stretch>
+        </p:blipFill>
+        <p:spPr>
+          <a:xfrm>
+            <a:off x="2966500" y="846188"/>
+            <a:ext cx="1006532" cy="711650"/>
+          </a:xfrm>
+          <a:prstGeom prst="rect">
+            <a:avLst/>
+          </a:prstGeom>
+        </p:spPr>
+      </p:pic>
+      <p:sp>
+        <p:nvSpPr>
+          <p:cNvPr id="5" name="TextBox 4">
+            <a:extLst>
+              <a:ext uri="{FF2B5EF4-FFF2-40B4-BE49-F238E27FC236}">
+                <a16:creationId xmlns:a16="http://schemas.microsoft.com/office/drawing/2014/main" id="{73E4C713-6573-428C-92C5-14B4AEBEA9DA}"/>
+              </a:ext>
+            </a:extLst>
+          </p:cNvPr>
+          <p:cNvSpPr txBox="1"/>
+          <p:nvPr/>
+        </p:nvSpPr>
+        <p:spPr>
+          <a:xfrm>
+            <a:off x="3091137" y="1380691"/>
+            <a:ext cx="757259" cy="338554"/>
+          </a:xfrm>
+          <a:prstGeom prst="rect">
+            <a:avLst/>
+          </a:prstGeom>
+          <a:noFill/>
+        </p:spPr>
+        <p:txBody>
+          <a:bodyPr wrap="none" rtlCol="0">
+            <a:spAutoFit/>
+          </a:bodyPr>
+          <a:lstStyle/>
+          <a:p>
+            <a:r>
+              <a:rPr lang="en-GB" sz="1600" dirty="0"/>
+              <a:t>Trigger</a:t>
+            </a:r>
+          </a:p>
+        </p:txBody>
+      </p:sp>
       <p:cxnSp>
         <p:nvCxnSpPr>
           <p:cNvPr id="7" name="Straight Arrow Connector 6">
@@ -3693,14 +3678,13 @@
           <p:cNvCxnSpPr>
             <a:cxnSpLocks/>
             <a:stCxn id="5" idx="2"/>
-            <a:endCxn id="8" idx="0"/>
           </p:cNvCxnSpPr>
           <p:nvPr/>
         </p:nvCxnSpPr>
         <p:spPr>
-          <a:xfrm flipH="1">
-            <a:off x="3469766" y="1719245"/>
-            <a:ext cx="1" cy="1824403"/>
+          <a:xfrm>
+            <a:off x="3469767" y="1719245"/>
+            <a:ext cx="0" cy="505941"/>
           </a:xfrm>
           <a:prstGeom prst="straightConnector1">
             <a:avLst/>
@@ -3743,7 +3727,7 @@
         </p:nvCxnSpPr>
         <p:spPr>
           <a:xfrm>
-            <a:off x="3918927" y="4046914"/>
+            <a:off x="3918927" y="2736555"/>
             <a:ext cx="745221" cy="0"/>
           </a:xfrm>
           <a:prstGeom prst="straightConnector1">
@@ -3785,7 +3769,7 @@
         </p:nvGrpSpPr>
         <p:grpSpPr>
           <a:xfrm>
-            <a:off x="2966500" y="3543648"/>
+            <a:off x="2966500" y="2233289"/>
             <a:ext cx="1006532" cy="1197151"/>
             <a:chOff x="375699" y="1711284"/>
             <a:chExt cx="1006532" cy="1197151"/>
@@ -3874,12 +3858,240 @@
           </p:txBody>
         </p:sp>
       </p:grpSp>
+      <p:pic>
+        <p:nvPicPr>
+          <p:cNvPr id="11" name="Picture 10" descr="A picture containing drawing&#10;&#10;Description automatically generated">
+            <a:extLst>
+              <a:ext uri="{FF2B5EF4-FFF2-40B4-BE49-F238E27FC236}">
+                <a16:creationId xmlns:a16="http://schemas.microsoft.com/office/drawing/2014/main" id="{509DAD8F-C6FA-459C-BBEA-E66E568CBE95}"/>
+              </a:ext>
+            </a:extLst>
+          </p:cNvPr>
+          <p:cNvPicPr>
+            <a:picLocks noChangeAspect="1"/>
+          </p:cNvPicPr>
+          <p:nvPr/>
+        </p:nvPicPr>
+        <p:blipFill>
+          <a:blip r:embed="rId4">
+            <a:extLst>
+              <a:ext uri="{28A0092B-C50C-407E-A947-70E740481C1C}">
+                <a14:useLocalDpi xmlns:a14="http://schemas.microsoft.com/office/drawing/2010/main" val="0"/>
+              </a:ext>
+            </a:extLst>
+          </a:blip>
+          <a:stretch>
+            <a:fillRect/>
+          </a:stretch>
+        </p:blipFill>
+        <p:spPr>
+          <a:xfrm>
+            <a:off x="5072041" y="4253636"/>
+            <a:ext cx="1244670" cy="622335"/>
+          </a:xfrm>
+          <a:prstGeom prst="rect">
+            <a:avLst/>
+          </a:prstGeom>
+        </p:spPr>
+      </p:pic>
+      <p:pic>
+        <p:nvPicPr>
+          <p:cNvPr id="12" name="Picture 11">
+            <a:extLst>
+              <a:ext uri="{FF2B5EF4-FFF2-40B4-BE49-F238E27FC236}">
+                <a16:creationId xmlns:a16="http://schemas.microsoft.com/office/drawing/2014/main" id="{33543D7B-477C-462E-87E1-EA5B9818FD9E}"/>
+              </a:ext>
+            </a:extLst>
+          </p:cNvPr>
+          <p:cNvPicPr>
+            <a:picLocks noChangeAspect="1"/>
+          </p:cNvPicPr>
+          <p:nvPr/>
+        </p:nvPicPr>
+        <p:blipFill>
+          <a:blip r:embed="rId5"/>
+          <a:stretch>
+            <a:fillRect/>
+          </a:stretch>
+        </p:blipFill>
+        <p:spPr>
+          <a:xfrm>
+            <a:off x="5334028" y="2191850"/>
+            <a:ext cx="674408" cy="563203"/>
+          </a:xfrm>
+          <a:prstGeom prst="rect">
+            <a:avLst/>
+          </a:prstGeom>
+        </p:spPr>
+      </p:pic>
+      <p:sp>
+        <p:nvSpPr>
+          <p:cNvPr id="15" name="Rectangle 14">
+            <a:extLst>
+              <a:ext uri="{FF2B5EF4-FFF2-40B4-BE49-F238E27FC236}">
+                <a16:creationId xmlns:a16="http://schemas.microsoft.com/office/drawing/2014/main" id="{1FAF085F-102B-453C-BEA8-715689E8070E}"/>
+              </a:ext>
+            </a:extLst>
+          </p:cNvPr>
+          <p:cNvSpPr/>
+          <p:nvPr/>
+        </p:nvSpPr>
+        <p:spPr>
+          <a:xfrm>
+            <a:off x="4796717" y="1853297"/>
+            <a:ext cx="1644099" cy="1481520"/>
+          </a:xfrm>
+          <a:prstGeom prst="rect">
+            <a:avLst/>
+          </a:prstGeom>
+          <a:noFill/>
+          <a:ln w="9525" cap="flat" cmpd="sng" algn="ctr">
+            <a:solidFill>
+              <a:schemeClr val="dk1"/>
+            </a:solidFill>
+            <a:prstDash val="solid"/>
+            <a:round/>
+            <a:headEnd type="none" w="med" len="med"/>
+            <a:tailEnd type="none" w="med" len="med"/>
+          </a:ln>
+        </p:spPr>
+        <p:style>
+          <a:lnRef idx="0">
+            <a:scrgbClr r="0" g="0" b="0"/>
+          </a:lnRef>
+          <a:fillRef idx="0">
+            <a:scrgbClr r="0" g="0" b="0"/>
+          </a:fillRef>
+          <a:effectRef idx="0">
+            <a:scrgbClr r="0" g="0" b="0"/>
+          </a:effectRef>
+          <a:fontRef idx="minor">
+            <a:schemeClr val="dk1"/>
+          </a:fontRef>
+        </p:style>
+        <p:txBody>
+          <a:bodyPr rtlCol="0" anchor="ctr"/>
+          <a:lstStyle/>
+          <a:p>
+            <a:pPr algn="ctr"/>
+            <a:endParaRPr lang="en-GB" dirty="0"/>
+          </a:p>
+        </p:txBody>
+      </p:sp>
+      <p:cxnSp>
+        <p:nvCxnSpPr>
+          <p:cNvPr id="17" name="Straight Connector 16">
+            <a:extLst>
+              <a:ext uri="{FF2B5EF4-FFF2-40B4-BE49-F238E27FC236}">
+                <a16:creationId xmlns:a16="http://schemas.microsoft.com/office/drawing/2014/main" id="{C9E21795-1168-4664-A8CE-89BCA811A5A4}"/>
+              </a:ext>
+            </a:extLst>
+          </p:cNvPr>
+          <p:cNvCxnSpPr>
+            <a:cxnSpLocks/>
+          </p:cNvCxnSpPr>
+          <p:nvPr/>
+        </p:nvCxnSpPr>
+        <p:spPr>
+          <a:xfrm>
+            <a:off x="4802686" y="2141526"/>
+            <a:ext cx="1648482" cy="0"/>
+          </a:xfrm>
+          <a:prstGeom prst="line">
+            <a:avLst/>
+          </a:prstGeom>
+        </p:spPr>
+        <p:style>
+          <a:lnRef idx="1">
+            <a:schemeClr val="dk1"/>
+          </a:lnRef>
+          <a:fillRef idx="0">
+            <a:schemeClr val="dk1"/>
+          </a:fillRef>
+          <a:effectRef idx="0">
+            <a:schemeClr val="dk1"/>
+          </a:effectRef>
+          <a:fontRef idx="minor">
+            <a:schemeClr val="tx1"/>
+          </a:fontRef>
+        </p:style>
+      </p:cxnSp>
+      <p:sp>
+        <p:nvSpPr>
+          <p:cNvPr id="18" name="TextBox 17">
+            <a:extLst>
+              <a:ext uri="{FF2B5EF4-FFF2-40B4-BE49-F238E27FC236}">
+                <a16:creationId xmlns:a16="http://schemas.microsoft.com/office/drawing/2014/main" id="{F1C87257-B742-4B6E-862D-D0358BD39E44}"/>
+              </a:ext>
+            </a:extLst>
+          </p:cNvPr>
+          <p:cNvSpPr txBox="1"/>
+          <p:nvPr/>
+        </p:nvSpPr>
+        <p:spPr>
+          <a:xfrm>
+            <a:off x="4935869" y="1802972"/>
+            <a:ext cx="1349600" cy="338554"/>
+          </a:xfrm>
+          <a:prstGeom prst="rect">
+            <a:avLst/>
+          </a:prstGeom>
+          <a:noFill/>
+        </p:spPr>
+        <p:txBody>
+          <a:bodyPr wrap="none" rtlCol="0">
+            <a:spAutoFit/>
+          </a:bodyPr>
+          <a:lstStyle/>
+          <a:p>
+            <a:r>
+              <a:rPr lang="en-GB" sz="1600" dirty="0"/>
+              <a:t>ECS Container</a:t>
+            </a:r>
+          </a:p>
+        </p:txBody>
+      </p:sp>
+      <p:sp>
+        <p:nvSpPr>
+          <p:cNvPr id="20" name="TextBox 19">
+            <a:extLst>
+              <a:ext uri="{FF2B5EF4-FFF2-40B4-BE49-F238E27FC236}">
+                <a16:creationId xmlns:a16="http://schemas.microsoft.com/office/drawing/2014/main" id="{3AD8D9DE-11D8-4993-A44A-A8D9B8D6FD81}"/>
+              </a:ext>
+            </a:extLst>
+          </p:cNvPr>
+          <p:cNvSpPr txBox="1"/>
+          <p:nvPr/>
+        </p:nvSpPr>
+        <p:spPr>
+          <a:xfrm>
+            <a:off x="5200894" y="2875195"/>
+            <a:ext cx="864917" cy="338554"/>
+          </a:xfrm>
+          <a:prstGeom prst="rect">
+            <a:avLst/>
+          </a:prstGeom>
+          <a:noFill/>
+        </p:spPr>
+        <p:txBody>
+          <a:bodyPr wrap="none" rtlCol="0">
+            <a:spAutoFit/>
+          </a:bodyPr>
+          <a:lstStyle/>
+          <a:p>
+            <a:r>
+              <a:rPr lang="en-GB" sz="1600" dirty="0"/>
+              <a:t>AWS CLI</a:t>
+            </a:r>
+          </a:p>
+        </p:txBody>
+      </p:sp>
       <p:grpSp>
         <p:nvGrpSpPr>
-          <p:cNvPr id="23" name="Group 22">
-            <a:extLst>
-              <a:ext uri="{FF2B5EF4-FFF2-40B4-BE49-F238E27FC236}">
-                <a16:creationId xmlns:a16="http://schemas.microsoft.com/office/drawing/2014/main" id="{C509A906-7BF0-4195-8AE9-9C1E750843A9}"/>
+          <p:cNvPr id="32" name="Group 31">
+            <a:extLst>
+              <a:ext uri="{FF2B5EF4-FFF2-40B4-BE49-F238E27FC236}">
+                <a16:creationId xmlns:a16="http://schemas.microsoft.com/office/drawing/2014/main" id="{2DB83A3E-B58B-4BDA-869D-DAF6538692E0}"/>
               </a:ext>
             </a:extLst>
           </p:cNvPr>
@@ -3888,256 +4100,7 @@
         </p:nvGrpSpPr>
         <p:grpSpPr>
           <a:xfrm>
-            <a:off x="4792334" y="3085378"/>
-            <a:ext cx="1648482" cy="1787912"/>
-            <a:chOff x="2002817" y="1241071"/>
-            <a:chExt cx="1648482" cy="1787912"/>
-          </a:xfrm>
-        </p:grpSpPr>
-        <p:pic>
-          <p:nvPicPr>
-            <p:cNvPr id="11" name="Picture 10" descr="A picture containing drawing&#10;&#10;Description automatically generated">
-              <a:extLst>
-                <a:ext uri="{FF2B5EF4-FFF2-40B4-BE49-F238E27FC236}">
-                  <a16:creationId xmlns:a16="http://schemas.microsoft.com/office/drawing/2014/main" id="{509DAD8F-C6FA-459C-BBEA-E66E568CBE95}"/>
-                </a:ext>
-              </a:extLst>
-            </p:cNvPr>
-            <p:cNvPicPr>
-              <a:picLocks noChangeAspect="1"/>
-            </p:cNvPicPr>
-            <p:nvPr/>
-          </p:nvPicPr>
-          <p:blipFill>
-            <a:blip r:embed="rId4">
-              <a:extLst>
-                <a:ext uri="{28A0092B-C50C-407E-A947-70E740481C1C}">
-                  <a14:useLocalDpi xmlns:a14="http://schemas.microsoft.com/office/drawing/2010/main" val="0"/>
-                </a:ext>
-              </a:extLst>
-            </a:blip>
-            <a:stretch>
-              <a:fillRect/>
-            </a:stretch>
-          </p:blipFill>
-          <p:spPr>
-            <a:xfrm>
-              <a:off x="2251282" y="2131537"/>
-              <a:ext cx="1244670" cy="622335"/>
-            </a:xfrm>
-            <a:prstGeom prst="rect">
-              <a:avLst/>
-            </a:prstGeom>
-          </p:spPr>
-        </p:pic>
-        <p:pic>
-          <p:nvPicPr>
-            <p:cNvPr id="12" name="Picture 11">
-              <a:extLst>
-                <a:ext uri="{FF2B5EF4-FFF2-40B4-BE49-F238E27FC236}">
-                  <a16:creationId xmlns:a16="http://schemas.microsoft.com/office/drawing/2014/main" id="{33543D7B-477C-462E-87E1-EA5B9818FD9E}"/>
-                </a:ext>
-              </a:extLst>
-            </p:cNvPr>
-            <p:cNvPicPr>
-              <a:picLocks noChangeAspect="1"/>
-            </p:cNvPicPr>
-            <p:nvPr/>
-          </p:nvPicPr>
-          <p:blipFill>
-            <a:blip r:embed="rId5"/>
-            <a:stretch>
-              <a:fillRect/>
-            </a:stretch>
-          </p:blipFill>
-          <p:spPr>
-            <a:xfrm>
-              <a:off x="2544511" y="1629949"/>
-              <a:ext cx="674408" cy="563203"/>
-            </a:xfrm>
-            <a:prstGeom prst="rect">
-              <a:avLst/>
-            </a:prstGeom>
-          </p:spPr>
-        </p:pic>
-        <p:sp>
-          <p:nvSpPr>
-            <p:cNvPr id="15" name="Rectangle 14">
-              <a:extLst>
-                <a:ext uri="{FF2B5EF4-FFF2-40B4-BE49-F238E27FC236}">
-                  <a16:creationId xmlns:a16="http://schemas.microsoft.com/office/drawing/2014/main" id="{1FAF085F-102B-453C-BEA8-715689E8070E}"/>
-                </a:ext>
-              </a:extLst>
-            </p:cNvPr>
-            <p:cNvSpPr/>
-            <p:nvPr/>
-          </p:nvSpPr>
-          <p:spPr>
-            <a:xfrm>
-              <a:off x="2007200" y="1291395"/>
-              <a:ext cx="1644099" cy="1737588"/>
-            </a:xfrm>
-            <a:prstGeom prst="rect">
-              <a:avLst/>
-            </a:prstGeom>
-            <a:noFill/>
-            <a:ln w="9525" cap="flat" cmpd="sng" algn="ctr">
-              <a:solidFill>
-                <a:schemeClr val="dk1"/>
-              </a:solidFill>
-              <a:prstDash val="solid"/>
-              <a:round/>
-              <a:headEnd type="none" w="med" len="med"/>
-              <a:tailEnd type="none" w="med" len="med"/>
-            </a:ln>
-          </p:spPr>
-          <p:style>
-            <a:lnRef idx="0">
-              <a:scrgbClr r="0" g="0" b="0"/>
-            </a:lnRef>
-            <a:fillRef idx="0">
-              <a:scrgbClr r="0" g="0" b="0"/>
-            </a:fillRef>
-            <a:effectRef idx="0">
-              <a:scrgbClr r="0" g="0" b="0"/>
-            </a:effectRef>
-            <a:fontRef idx="minor">
-              <a:schemeClr val="dk1"/>
-            </a:fontRef>
-          </p:style>
-          <p:txBody>
-            <a:bodyPr rtlCol="0" anchor="ctr"/>
-            <a:lstStyle/>
-            <a:p>
-              <a:pPr algn="ctr"/>
-              <a:endParaRPr lang="en-GB" dirty="0"/>
-            </a:p>
-          </p:txBody>
-        </p:sp>
-        <p:cxnSp>
-          <p:nvCxnSpPr>
-            <p:cNvPr id="17" name="Straight Connector 16">
-              <a:extLst>
-                <a:ext uri="{FF2B5EF4-FFF2-40B4-BE49-F238E27FC236}">
-                  <a16:creationId xmlns:a16="http://schemas.microsoft.com/office/drawing/2014/main" id="{C9E21795-1168-4664-A8CE-89BCA811A5A4}"/>
-                </a:ext>
-              </a:extLst>
-            </p:cNvPr>
-            <p:cNvCxnSpPr>
-              <a:cxnSpLocks/>
-            </p:cNvCxnSpPr>
-            <p:nvPr/>
-          </p:nvCxnSpPr>
-          <p:spPr>
-            <a:xfrm>
-              <a:off x="2002817" y="1549655"/>
-              <a:ext cx="1648482" cy="0"/>
-            </a:xfrm>
-            <a:prstGeom prst="line">
-              <a:avLst/>
-            </a:prstGeom>
-          </p:spPr>
-          <p:style>
-            <a:lnRef idx="1">
-              <a:schemeClr val="dk1"/>
-            </a:lnRef>
-            <a:fillRef idx="0">
-              <a:schemeClr val="dk1"/>
-            </a:fillRef>
-            <a:effectRef idx="0">
-              <a:schemeClr val="dk1"/>
-            </a:effectRef>
-            <a:fontRef idx="minor">
-              <a:schemeClr val="tx1"/>
-            </a:fontRef>
-          </p:style>
-        </p:cxnSp>
-        <p:sp>
-          <p:nvSpPr>
-            <p:cNvPr id="18" name="TextBox 17">
-              <a:extLst>
-                <a:ext uri="{FF2B5EF4-FFF2-40B4-BE49-F238E27FC236}">
-                  <a16:creationId xmlns:a16="http://schemas.microsoft.com/office/drawing/2014/main" id="{F1C87257-B742-4B6E-862D-D0358BD39E44}"/>
-                </a:ext>
-              </a:extLst>
-            </p:cNvPr>
-            <p:cNvSpPr txBox="1"/>
-            <p:nvPr/>
-          </p:nvSpPr>
-          <p:spPr>
-            <a:xfrm>
-              <a:off x="2146352" y="1241071"/>
-              <a:ext cx="1349600" cy="338554"/>
-            </a:xfrm>
-            <a:prstGeom prst="rect">
-              <a:avLst/>
-            </a:prstGeom>
-            <a:noFill/>
-          </p:spPr>
-          <p:txBody>
-            <a:bodyPr wrap="none" rtlCol="0">
-              <a:spAutoFit/>
-            </a:bodyPr>
-            <a:lstStyle/>
-            <a:p>
-              <a:r>
-                <a:rPr lang="en-GB" sz="1600" dirty="0"/>
-                <a:t>ECS Container</a:t>
-              </a:r>
-            </a:p>
-          </p:txBody>
-        </p:sp>
-        <p:sp>
-          <p:nvSpPr>
-            <p:cNvPr id="20" name="TextBox 19">
-              <a:extLst>
-                <a:ext uri="{FF2B5EF4-FFF2-40B4-BE49-F238E27FC236}">
-                  <a16:creationId xmlns:a16="http://schemas.microsoft.com/office/drawing/2014/main" id="{3AD8D9DE-11D8-4993-A44A-A8D9B8D6FD81}"/>
-                </a:ext>
-              </a:extLst>
-            </p:cNvPr>
-            <p:cNvSpPr txBox="1"/>
-            <p:nvPr/>
-          </p:nvSpPr>
-          <p:spPr>
-            <a:xfrm>
-              <a:off x="2396879" y="2658708"/>
-              <a:ext cx="864917" cy="338554"/>
-            </a:xfrm>
-            <a:prstGeom prst="rect">
-              <a:avLst/>
-            </a:prstGeom>
-            <a:noFill/>
-          </p:spPr>
-          <p:txBody>
-            <a:bodyPr wrap="none" rtlCol="0">
-              <a:spAutoFit/>
-            </a:bodyPr>
-            <a:lstStyle/>
-            <a:p>
-              <a:r>
-                <a:rPr lang="en-GB" sz="1600" dirty="0"/>
-                <a:t>AWS CLI</a:t>
-              </a:r>
-            </a:p>
-          </p:txBody>
-        </p:sp>
-      </p:grpSp>
-      <p:grpSp>
-        <p:nvGrpSpPr>
-          <p:cNvPr id="32" name="Group 31">
-            <a:extLst>
-              <a:ext uri="{FF2B5EF4-FFF2-40B4-BE49-F238E27FC236}">
-                <a16:creationId xmlns:a16="http://schemas.microsoft.com/office/drawing/2014/main" id="{2DB83A3E-B58B-4BDA-869D-DAF6538692E0}"/>
-              </a:ext>
-            </a:extLst>
-          </p:cNvPr>
-          <p:cNvGrpSpPr/>
-          <p:nvPr/>
-        </p:nvGrpSpPr>
-        <p:grpSpPr>
-          <a:xfrm>
-            <a:off x="5031980" y="1162757"/>
+            <a:off x="5053253" y="5330886"/>
             <a:ext cx="1157377" cy="1230891"/>
             <a:chOff x="2424362" y="643809"/>
             <a:chExt cx="1157377" cy="1230891"/>
@@ -4225,49 +4188,6 @@
           </p:txBody>
         </p:sp>
       </p:grpSp>
-      <p:cxnSp>
-        <p:nvCxnSpPr>
-          <p:cNvPr id="29" name="Straight Arrow Connector 28">
-            <a:extLst>
-              <a:ext uri="{FF2B5EF4-FFF2-40B4-BE49-F238E27FC236}">
-                <a16:creationId xmlns:a16="http://schemas.microsoft.com/office/drawing/2014/main" id="{38A801AF-FE3D-4864-9D3B-2EA07E108BD4}"/>
-              </a:ext>
-            </a:extLst>
-          </p:cNvPr>
-          <p:cNvCxnSpPr>
-            <a:cxnSpLocks/>
-            <a:endCxn id="18" idx="0"/>
-          </p:cNvCxnSpPr>
-          <p:nvPr/>
-        </p:nvCxnSpPr>
-        <p:spPr>
-          <a:xfrm>
-            <a:off x="5610669" y="2360084"/>
-            <a:ext cx="0" cy="725294"/>
-          </a:xfrm>
-          <a:prstGeom prst="straightConnector1">
-            <a:avLst/>
-          </a:prstGeom>
-          <a:ln>
-            <a:headEnd type="triangle"/>
-            <a:tailEnd type="triangle"/>
-          </a:ln>
-        </p:spPr>
-        <p:style>
-          <a:lnRef idx="1">
-            <a:schemeClr val="dk1"/>
-          </a:lnRef>
-          <a:fillRef idx="0">
-            <a:schemeClr val="dk1"/>
-          </a:fillRef>
-          <a:effectRef idx="0">
-            <a:schemeClr val="dk1"/>
-          </a:effectRef>
-          <a:fontRef idx="minor">
-            <a:schemeClr val="tx1"/>
-          </a:fontRef>
-        </p:style>
-      </p:cxnSp>
       <p:sp>
         <p:nvSpPr>
           <p:cNvPr id="36" name="TextBox 35">
@@ -4282,7 +4202,7 @@
         </p:nvSpPr>
         <p:spPr>
           <a:xfrm>
-            <a:off x="5605654" y="2585624"/>
+            <a:off x="4870115" y="5023109"/>
             <a:ext cx="801117" cy="307777"/>
           </a:xfrm>
           <a:prstGeom prst="rect">
@@ -4303,46 +4223,6 @@
           </a:p>
         </p:txBody>
       </p:sp>
-      <p:cxnSp>
-        <p:nvCxnSpPr>
-          <p:cNvPr id="40" name="Straight Arrow Connector 39">
-            <a:extLst>
-              <a:ext uri="{FF2B5EF4-FFF2-40B4-BE49-F238E27FC236}">
-                <a16:creationId xmlns:a16="http://schemas.microsoft.com/office/drawing/2014/main" id="{7527147C-2720-465F-B592-C2B9223EB3C9}"/>
-              </a:ext>
-            </a:extLst>
-          </p:cNvPr>
-          <p:cNvCxnSpPr/>
-          <p:nvPr/>
-        </p:nvCxnSpPr>
-        <p:spPr>
-          <a:xfrm>
-            <a:off x="6051313" y="1741445"/>
-            <a:ext cx="915151" cy="0"/>
-          </a:xfrm>
-          <a:prstGeom prst="straightConnector1">
-            <a:avLst/>
-          </a:prstGeom>
-          <a:ln>
-            <a:headEnd type="triangle"/>
-            <a:tailEnd type="triangle"/>
-          </a:ln>
-        </p:spPr>
-        <p:style>
-          <a:lnRef idx="1">
-            <a:schemeClr val="dk1"/>
-          </a:lnRef>
-          <a:fillRef idx="0">
-            <a:schemeClr val="dk1"/>
-          </a:fillRef>
-          <a:effectRef idx="0">
-            <a:schemeClr val="dk1"/>
-          </a:effectRef>
-          <a:fontRef idx="minor">
-            <a:schemeClr val="tx1"/>
-          </a:fontRef>
-        </p:style>
-      </p:cxnSp>
       <p:sp>
         <p:nvSpPr>
           <p:cNvPr id="41" name="TextBox 40">
@@ -4357,7 +4237,7 @@
         </p:nvSpPr>
         <p:spPr>
           <a:xfrm>
-            <a:off x="6108329" y="1393718"/>
+            <a:off x="6316711" y="4099747"/>
             <a:ext cx="801117" cy="307777"/>
           </a:xfrm>
           <a:prstGeom prst="rect">
@@ -4392,7 +4272,7 @@
         </p:nvGrpSpPr>
         <p:grpSpPr>
           <a:xfrm>
-            <a:off x="7045848" y="1353439"/>
+            <a:off x="7254230" y="4232222"/>
             <a:ext cx="1640952" cy="776011"/>
             <a:chOff x="4455048" y="803105"/>
             <a:chExt cx="1640952" cy="776011"/>
@@ -4495,7 +4375,7 @@
         </p:nvCxnSpPr>
         <p:spPr>
           <a:xfrm>
-            <a:off x="6536835" y="4051806"/>
+            <a:off x="6536835" y="2741447"/>
             <a:ext cx="1489565" cy="0"/>
           </a:xfrm>
           <a:prstGeom prst="straightConnector1">
@@ -4537,7 +4417,7 @@
         </p:nvGrpSpPr>
         <p:grpSpPr>
           <a:xfrm>
-            <a:off x="8060268" y="3286154"/>
+            <a:off x="8060268" y="2003748"/>
             <a:ext cx="1286934" cy="1502610"/>
             <a:chOff x="4868333" y="2788625"/>
             <a:chExt cx="1286934" cy="1502610"/>
@@ -4638,8 +4518,8 @@
         </p:nvSpPr>
         <p:spPr>
           <a:xfrm>
-            <a:off x="6849983" y="3735423"/>
-            <a:ext cx="1004314" cy="307777"/>
+            <a:off x="6557991" y="2393008"/>
+            <a:ext cx="1477392" cy="307777"/>
           </a:xfrm>
           <a:prstGeom prst="rect">
             <a:avLst/>
@@ -4654,7 +4534,631 @@
           <a:p>
             <a:r>
               <a:rPr lang="en-GB" sz="1400" dirty="0"/>
-              <a:t>Test results</a:t>
+              <a:t>Response Metrics</a:t>
+            </a:r>
+          </a:p>
+        </p:txBody>
+      </p:sp>
+      <p:cxnSp>
+        <p:nvCxnSpPr>
+          <p:cNvPr id="33" name="Straight Arrow Connector 32">
+            <a:extLst>
+              <a:ext uri="{FF2B5EF4-FFF2-40B4-BE49-F238E27FC236}">
+                <a16:creationId xmlns:a16="http://schemas.microsoft.com/office/drawing/2014/main" id="{A8CA59CA-4BA8-4D51-A826-729C447E3993}"/>
+              </a:ext>
+            </a:extLst>
+          </p:cNvPr>
+          <p:cNvCxnSpPr>
+            <a:cxnSpLocks/>
+          </p:cNvCxnSpPr>
+          <p:nvPr/>
+        </p:nvCxnSpPr>
+        <p:spPr>
+          <a:xfrm>
+            <a:off x="6349319" y="4448089"/>
+            <a:ext cx="745221" cy="0"/>
+          </a:xfrm>
+          <a:prstGeom prst="straightConnector1">
+            <a:avLst/>
+          </a:prstGeom>
+          <a:ln>
+            <a:solidFill>
+              <a:schemeClr val="tx1"/>
+            </a:solidFill>
+            <a:tailEnd type="triangle"/>
+          </a:ln>
+        </p:spPr>
+        <p:style>
+          <a:lnRef idx="1">
+            <a:schemeClr val="accent1"/>
+          </a:lnRef>
+          <a:fillRef idx="0">
+            <a:schemeClr val="accent1"/>
+          </a:fillRef>
+          <a:effectRef idx="0">
+            <a:schemeClr val="accent1"/>
+          </a:effectRef>
+          <a:fontRef idx="minor">
+            <a:schemeClr val="tx1"/>
+          </a:fontRef>
+        </p:style>
+      </p:cxnSp>
+      <p:pic>
+        <p:nvPicPr>
+          <p:cNvPr id="3" name="Graphic 2">
+            <a:extLst>
+              <a:ext uri="{FF2B5EF4-FFF2-40B4-BE49-F238E27FC236}">
+                <a16:creationId xmlns:a16="http://schemas.microsoft.com/office/drawing/2014/main" id="{D6610396-06DB-4B48-97A8-6CA350633A94}"/>
+              </a:ext>
+            </a:extLst>
+          </p:cNvPr>
+          <p:cNvPicPr>
+            <a:picLocks noChangeAspect="1"/>
+          </p:cNvPicPr>
+          <p:nvPr/>
+        </p:nvPicPr>
+        <p:blipFill>
+          <a:blip r:embed="rId9">
+            <a:extLst>
+              <a:ext uri="{28A0092B-C50C-407E-A947-70E740481C1C}">
+                <a14:useLocalDpi xmlns:a14="http://schemas.microsoft.com/office/drawing/2010/main" val="0"/>
+              </a:ext>
+              <a:ext uri="{96DAC541-7B7A-43D3-8B79-37D633B846F1}">
+                <asvg:svgBlip xmlns:asvg="http://schemas.microsoft.com/office/drawing/2016/SVG/main" r:embed="rId10"/>
+              </a:ext>
+            </a:extLst>
+          </a:blip>
+          <a:stretch>
+            <a:fillRect/>
+          </a:stretch>
+        </p:blipFill>
+        <p:spPr>
+          <a:xfrm>
+            <a:off x="3713145" y="606998"/>
+            <a:ext cx="411564" cy="498261"/>
+          </a:xfrm>
+          <a:prstGeom prst="rect">
+            <a:avLst/>
+          </a:prstGeom>
+        </p:spPr>
+      </p:pic>
+      <p:pic>
+        <p:nvPicPr>
+          <p:cNvPr id="13" name="Picture 12" descr="A close up of a logo&#10;&#10;Description automatically generated">
+            <a:extLst>
+              <a:ext uri="{FF2B5EF4-FFF2-40B4-BE49-F238E27FC236}">
+                <a16:creationId xmlns:a16="http://schemas.microsoft.com/office/drawing/2014/main" id="{5B8A6A58-8836-4583-A59F-373E834BB8E9}"/>
+              </a:ext>
+            </a:extLst>
+          </p:cNvPr>
+          <p:cNvPicPr>
+            <a:picLocks noChangeAspect="1"/>
+          </p:cNvPicPr>
+          <p:nvPr/>
+        </p:nvPicPr>
+        <p:blipFill>
+          <a:blip r:embed="rId11">
+            <a:extLst>
+              <a:ext uri="{28A0092B-C50C-407E-A947-70E740481C1C}">
+                <a14:useLocalDpi xmlns:a14="http://schemas.microsoft.com/office/drawing/2010/main" val="0"/>
+              </a:ext>
+            </a:extLst>
+          </a:blip>
+          <a:stretch>
+            <a:fillRect/>
+          </a:stretch>
+        </p:blipFill>
+        <p:spPr>
+          <a:xfrm>
+            <a:off x="2774470" y="668582"/>
+            <a:ext cx="406944" cy="406944"/>
+          </a:xfrm>
+          <a:prstGeom prst="rect">
+            <a:avLst/>
+          </a:prstGeom>
+        </p:spPr>
+      </p:pic>
+      <p:cxnSp>
+        <p:nvCxnSpPr>
+          <p:cNvPr id="37" name="Straight Arrow Connector 36">
+            <a:extLst>
+              <a:ext uri="{FF2B5EF4-FFF2-40B4-BE49-F238E27FC236}">
+                <a16:creationId xmlns:a16="http://schemas.microsoft.com/office/drawing/2014/main" id="{7F910890-F71D-4F41-86E4-61DC511EA8D7}"/>
+              </a:ext>
+            </a:extLst>
+          </p:cNvPr>
+          <p:cNvCxnSpPr>
+            <a:cxnSpLocks/>
+          </p:cNvCxnSpPr>
+          <p:nvPr/>
+        </p:nvCxnSpPr>
+        <p:spPr>
+          <a:xfrm flipV="1">
+            <a:off x="5626927" y="3506358"/>
+            <a:ext cx="0" cy="714375"/>
+          </a:xfrm>
+          <a:prstGeom prst="straightConnector1">
+            <a:avLst/>
+          </a:prstGeom>
+          <a:ln>
+            <a:solidFill>
+              <a:schemeClr val="tx1"/>
+            </a:solidFill>
+            <a:tailEnd type="triangle"/>
+          </a:ln>
+        </p:spPr>
+        <p:style>
+          <a:lnRef idx="1">
+            <a:schemeClr val="accent1"/>
+          </a:lnRef>
+          <a:fillRef idx="0">
+            <a:schemeClr val="accent1"/>
+          </a:fillRef>
+          <a:effectRef idx="0">
+            <a:schemeClr val="accent1"/>
+          </a:effectRef>
+          <a:fontRef idx="minor">
+            <a:schemeClr val="tx1"/>
+          </a:fontRef>
+        </p:style>
+      </p:cxnSp>
+      <p:cxnSp>
+        <p:nvCxnSpPr>
+          <p:cNvPr id="39" name="Straight Arrow Connector 38">
+            <a:extLst>
+              <a:ext uri="{FF2B5EF4-FFF2-40B4-BE49-F238E27FC236}">
+                <a16:creationId xmlns:a16="http://schemas.microsoft.com/office/drawing/2014/main" id="{219D206E-F251-4809-9324-4AE6802FD525}"/>
+              </a:ext>
+            </a:extLst>
+          </p:cNvPr>
+          <p:cNvCxnSpPr>
+            <a:cxnSpLocks/>
+          </p:cNvCxnSpPr>
+          <p:nvPr/>
+        </p:nvCxnSpPr>
+        <p:spPr>
+          <a:xfrm flipV="1">
+            <a:off x="5626927" y="4813780"/>
+            <a:ext cx="0" cy="609343"/>
+          </a:xfrm>
+          <a:prstGeom prst="straightConnector1">
+            <a:avLst/>
+          </a:prstGeom>
+          <a:ln>
+            <a:solidFill>
+              <a:schemeClr val="tx1"/>
+            </a:solidFill>
+            <a:tailEnd type="triangle"/>
+          </a:ln>
+        </p:spPr>
+        <p:style>
+          <a:lnRef idx="1">
+            <a:schemeClr val="accent1"/>
+          </a:lnRef>
+          <a:fillRef idx="0">
+            <a:schemeClr val="accent1"/>
+          </a:fillRef>
+          <a:effectRef idx="0">
+            <a:schemeClr val="accent1"/>
+          </a:effectRef>
+          <a:fontRef idx="minor">
+            <a:schemeClr val="tx1"/>
+          </a:fontRef>
+        </p:style>
+      </p:cxnSp>
+      <p:cxnSp>
+        <p:nvCxnSpPr>
+          <p:cNvPr id="44" name="Straight Arrow Connector 43">
+            <a:extLst>
+              <a:ext uri="{FF2B5EF4-FFF2-40B4-BE49-F238E27FC236}">
+                <a16:creationId xmlns:a16="http://schemas.microsoft.com/office/drawing/2014/main" id="{E3A00FC9-3F70-479A-BF16-E5DF54CD600C}"/>
+              </a:ext>
+            </a:extLst>
+          </p:cNvPr>
+          <p:cNvCxnSpPr>
+            <a:cxnSpLocks/>
+          </p:cNvCxnSpPr>
+          <p:nvPr/>
+        </p:nvCxnSpPr>
+        <p:spPr>
+          <a:xfrm flipH="1">
+            <a:off x="6363547" y="4660068"/>
+            <a:ext cx="730993" cy="0"/>
+          </a:xfrm>
+          <a:prstGeom prst="straightConnector1">
+            <a:avLst/>
+          </a:prstGeom>
+          <a:ln>
+            <a:solidFill>
+              <a:schemeClr val="tx1"/>
+            </a:solidFill>
+            <a:tailEnd type="triangle"/>
+          </a:ln>
+        </p:spPr>
+        <p:style>
+          <a:lnRef idx="1">
+            <a:schemeClr val="accent1"/>
+          </a:lnRef>
+          <a:fillRef idx="0">
+            <a:schemeClr val="accent1"/>
+          </a:fillRef>
+          <a:effectRef idx="0">
+            <a:schemeClr val="accent1"/>
+          </a:effectRef>
+          <a:fontRef idx="minor">
+            <a:schemeClr val="tx1"/>
+          </a:fontRef>
+        </p:style>
+      </p:cxnSp>
+      <p:sp>
+        <p:nvSpPr>
+          <p:cNvPr id="46" name="TextBox 45">
+            <a:extLst>
+              <a:ext uri="{FF2B5EF4-FFF2-40B4-BE49-F238E27FC236}">
+                <a16:creationId xmlns:a16="http://schemas.microsoft.com/office/drawing/2014/main" id="{3E281309-5417-4A3A-803A-A15F4E5F0B54}"/>
+              </a:ext>
+            </a:extLst>
+          </p:cNvPr>
+          <p:cNvSpPr txBox="1"/>
+          <p:nvPr/>
+        </p:nvSpPr>
+        <p:spPr>
+          <a:xfrm>
+            <a:off x="6383740" y="4699668"/>
+            <a:ext cx="849143" cy="307777"/>
+          </a:xfrm>
+          <a:prstGeom prst="rect">
+            <a:avLst/>
+          </a:prstGeom>
+          <a:noFill/>
+        </p:spPr>
+        <p:txBody>
+          <a:bodyPr wrap="none" rtlCol="0">
+            <a:spAutoFit/>
+          </a:bodyPr>
+          <a:lstStyle/>
+          <a:p>
+            <a:r>
+              <a:rPr lang="en-GB" sz="1400" dirty="0"/>
+              <a:t>response</a:t>
+            </a:r>
+          </a:p>
+        </p:txBody>
+      </p:sp>
+      <p:sp>
+        <p:nvSpPr>
+          <p:cNvPr id="49" name="TextBox 48">
+            <a:extLst>
+              <a:ext uri="{FF2B5EF4-FFF2-40B4-BE49-F238E27FC236}">
+                <a16:creationId xmlns:a16="http://schemas.microsoft.com/office/drawing/2014/main" id="{F8565CE9-561B-48CD-8D26-B93D2305768A}"/>
+              </a:ext>
+            </a:extLst>
+          </p:cNvPr>
+          <p:cNvSpPr txBox="1"/>
+          <p:nvPr/>
+        </p:nvSpPr>
+        <p:spPr>
+          <a:xfrm>
+            <a:off x="4796717" y="3691639"/>
+            <a:ext cx="883640" cy="523220"/>
+          </a:xfrm>
+          <a:prstGeom prst="rect">
+            <a:avLst/>
+          </a:prstGeom>
+          <a:noFill/>
+        </p:spPr>
+        <p:txBody>
+          <a:bodyPr wrap="none" rtlCol="0">
+            <a:spAutoFit/>
+          </a:bodyPr>
+          <a:lstStyle/>
+          <a:p>
+            <a:pPr algn="ctr"/>
+            <a:r>
+              <a:rPr lang="en-GB" sz="1400" dirty="0"/>
+              <a:t>Response</a:t>
+            </a:r>
+          </a:p>
+          <a:p>
+            <a:pPr algn="ctr"/>
+            <a:r>
+              <a:rPr lang="en-GB" sz="1400" dirty="0"/>
+              <a:t>metrics</a:t>
+            </a:r>
+          </a:p>
+        </p:txBody>
+      </p:sp>
+      <p:sp>
+        <p:nvSpPr>
+          <p:cNvPr id="31" name="Oval 30">
+            <a:extLst>
+              <a:ext uri="{FF2B5EF4-FFF2-40B4-BE49-F238E27FC236}">
+                <a16:creationId xmlns:a16="http://schemas.microsoft.com/office/drawing/2014/main" id="{9B5AEEA6-B2F0-491D-AB01-D9964FAE6932}"/>
+              </a:ext>
+            </a:extLst>
+          </p:cNvPr>
+          <p:cNvSpPr/>
+          <p:nvPr/>
+        </p:nvSpPr>
+        <p:spPr>
+          <a:xfrm>
+            <a:off x="5716492" y="5279343"/>
+            <a:ext cx="349319" cy="338554"/>
+          </a:xfrm>
+          <a:prstGeom prst="ellipse">
+            <a:avLst/>
+          </a:prstGeom>
+          <a:noFill/>
+          <a:ln>
+            <a:solidFill>
+              <a:schemeClr val="tx1"/>
+            </a:solidFill>
+          </a:ln>
+        </p:spPr>
+        <p:style>
+          <a:lnRef idx="2">
+            <a:schemeClr val="accent1">
+              <a:shade val="50000"/>
+            </a:schemeClr>
+          </a:lnRef>
+          <a:fillRef idx="1">
+            <a:schemeClr val="accent1"/>
+          </a:fillRef>
+          <a:effectRef idx="0">
+            <a:schemeClr val="accent1"/>
+          </a:effectRef>
+          <a:fontRef idx="minor">
+            <a:schemeClr val="lt1"/>
+          </a:fontRef>
+        </p:style>
+        <p:txBody>
+          <a:bodyPr rtlCol="0" anchor="ctr"/>
+          <a:lstStyle/>
+          <a:p>
+            <a:pPr algn="ctr"/>
+            <a:r>
+              <a:rPr lang="en-GB" dirty="0">
+                <a:solidFill>
+                  <a:schemeClr val="tx1"/>
+                </a:solidFill>
+              </a:rPr>
+              <a:t>2</a:t>
+            </a:r>
+          </a:p>
+        </p:txBody>
+      </p:sp>
+      <p:sp>
+        <p:nvSpPr>
+          <p:cNvPr id="50" name="Oval 49">
+            <a:extLst>
+              <a:ext uri="{FF2B5EF4-FFF2-40B4-BE49-F238E27FC236}">
+                <a16:creationId xmlns:a16="http://schemas.microsoft.com/office/drawing/2014/main" id="{23EE0BAE-5680-4A6D-9D03-0575E67A8073}"/>
+              </a:ext>
+            </a:extLst>
+          </p:cNvPr>
+          <p:cNvSpPr/>
+          <p:nvPr/>
+        </p:nvSpPr>
+        <p:spPr>
+          <a:xfrm>
+            <a:off x="3783923" y="2154757"/>
+            <a:ext cx="349319" cy="338554"/>
+          </a:xfrm>
+          <a:prstGeom prst="ellipse">
+            <a:avLst/>
+          </a:prstGeom>
+          <a:noFill/>
+          <a:ln>
+            <a:solidFill>
+              <a:schemeClr val="tx1"/>
+            </a:solidFill>
+          </a:ln>
+        </p:spPr>
+        <p:style>
+          <a:lnRef idx="2">
+            <a:schemeClr val="accent1">
+              <a:shade val="50000"/>
+            </a:schemeClr>
+          </a:lnRef>
+          <a:fillRef idx="1">
+            <a:schemeClr val="accent1"/>
+          </a:fillRef>
+          <a:effectRef idx="0">
+            <a:schemeClr val="accent1"/>
+          </a:effectRef>
+          <a:fontRef idx="minor">
+            <a:schemeClr val="lt1"/>
+          </a:fontRef>
+        </p:style>
+        <p:txBody>
+          <a:bodyPr rtlCol="0" anchor="ctr"/>
+          <a:lstStyle/>
+          <a:p>
+            <a:pPr algn="ctr"/>
+            <a:r>
+              <a:rPr lang="en-GB" dirty="0">
+                <a:solidFill>
+                  <a:schemeClr val="tx1"/>
+                </a:solidFill>
+              </a:rPr>
+              <a:t>1</a:t>
+            </a:r>
+          </a:p>
+        </p:txBody>
+      </p:sp>
+      <p:sp>
+        <p:nvSpPr>
+          <p:cNvPr id="54" name="Oval 53">
+            <a:extLst>
+              <a:ext uri="{FF2B5EF4-FFF2-40B4-BE49-F238E27FC236}">
+                <a16:creationId xmlns:a16="http://schemas.microsoft.com/office/drawing/2014/main" id="{45EA2F6B-D484-4308-B5B7-E6559D66BF24}"/>
+              </a:ext>
+            </a:extLst>
+          </p:cNvPr>
+          <p:cNvSpPr/>
+          <p:nvPr/>
+        </p:nvSpPr>
+        <p:spPr>
+          <a:xfrm>
+            <a:off x="7245989" y="4068970"/>
+            <a:ext cx="349319" cy="338554"/>
+          </a:xfrm>
+          <a:prstGeom prst="ellipse">
+            <a:avLst/>
+          </a:prstGeom>
+          <a:noFill/>
+          <a:ln>
+            <a:solidFill>
+              <a:schemeClr val="tx1"/>
+            </a:solidFill>
+          </a:ln>
+        </p:spPr>
+        <p:style>
+          <a:lnRef idx="2">
+            <a:schemeClr val="accent1">
+              <a:shade val="50000"/>
+            </a:schemeClr>
+          </a:lnRef>
+          <a:fillRef idx="1">
+            <a:schemeClr val="accent1"/>
+          </a:fillRef>
+          <a:effectRef idx="0">
+            <a:schemeClr val="accent1"/>
+          </a:effectRef>
+          <a:fontRef idx="minor">
+            <a:schemeClr val="lt1"/>
+          </a:fontRef>
+        </p:style>
+        <p:txBody>
+          <a:bodyPr rtlCol="0" anchor="ctr"/>
+          <a:lstStyle/>
+          <a:p>
+            <a:pPr algn="ctr"/>
+            <a:r>
+              <a:rPr lang="en-GB" dirty="0">
+                <a:solidFill>
+                  <a:schemeClr val="tx1"/>
+                </a:solidFill>
+              </a:rPr>
+              <a:t>3</a:t>
+            </a:r>
+          </a:p>
+        </p:txBody>
+      </p:sp>
+      <p:sp>
+        <p:nvSpPr>
+          <p:cNvPr id="55" name="Oval 54">
+            <a:extLst>
+              <a:ext uri="{FF2B5EF4-FFF2-40B4-BE49-F238E27FC236}">
+                <a16:creationId xmlns:a16="http://schemas.microsoft.com/office/drawing/2014/main" id="{64923015-4AFD-4F26-B461-9501E6B5117D}"/>
+              </a:ext>
+            </a:extLst>
+          </p:cNvPr>
+          <p:cNvSpPr/>
+          <p:nvPr/>
+        </p:nvSpPr>
+        <p:spPr>
+          <a:xfrm>
+            <a:off x="5753498" y="3568912"/>
+            <a:ext cx="349319" cy="338554"/>
+          </a:xfrm>
+          <a:prstGeom prst="ellipse">
+            <a:avLst/>
+          </a:prstGeom>
+          <a:noFill/>
+          <a:ln>
+            <a:solidFill>
+              <a:schemeClr val="tx1"/>
+            </a:solidFill>
+          </a:ln>
+        </p:spPr>
+        <p:style>
+          <a:lnRef idx="2">
+            <a:schemeClr val="accent1">
+              <a:shade val="50000"/>
+            </a:schemeClr>
+          </a:lnRef>
+          <a:fillRef idx="1">
+            <a:schemeClr val="accent1"/>
+          </a:fillRef>
+          <a:effectRef idx="0">
+            <a:schemeClr val="accent1"/>
+          </a:effectRef>
+          <a:fontRef idx="minor">
+            <a:schemeClr val="lt1"/>
+          </a:fontRef>
+        </p:style>
+        <p:txBody>
+          <a:bodyPr rtlCol="0" anchor="ctr"/>
+          <a:lstStyle/>
+          <a:p>
+            <a:pPr algn="ctr"/>
+            <a:r>
+              <a:rPr lang="en-GB" dirty="0">
+                <a:solidFill>
+                  <a:schemeClr val="tx1"/>
+                </a:solidFill>
+              </a:rPr>
+              <a:t>4</a:t>
+            </a:r>
+          </a:p>
+        </p:txBody>
+      </p:sp>
+      <p:sp>
+        <p:nvSpPr>
+          <p:cNvPr id="56" name="Oval 55">
+            <a:extLst>
+              <a:ext uri="{FF2B5EF4-FFF2-40B4-BE49-F238E27FC236}">
+                <a16:creationId xmlns:a16="http://schemas.microsoft.com/office/drawing/2014/main" id="{3CEDBE3F-11B3-4476-A951-C31FAC0C49CB}"/>
+              </a:ext>
+            </a:extLst>
+          </p:cNvPr>
+          <p:cNvSpPr/>
+          <p:nvPr/>
+        </p:nvSpPr>
+        <p:spPr>
+          <a:xfrm>
+            <a:off x="7851740" y="2063532"/>
+            <a:ext cx="349319" cy="338554"/>
+          </a:xfrm>
+          <a:prstGeom prst="ellipse">
+            <a:avLst/>
+          </a:prstGeom>
+          <a:noFill/>
+          <a:ln>
+            <a:solidFill>
+              <a:schemeClr val="tx1"/>
+            </a:solidFill>
+          </a:ln>
+        </p:spPr>
+        <p:style>
+          <a:lnRef idx="2">
+            <a:schemeClr val="accent1">
+              <a:shade val="50000"/>
+            </a:schemeClr>
+          </a:lnRef>
+          <a:fillRef idx="1">
+            <a:schemeClr val="accent1"/>
+          </a:fillRef>
+          <a:effectRef idx="0">
+            <a:schemeClr val="accent1"/>
+          </a:effectRef>
+          <a:fontRef idx="minor">
+            <a:schemeClr val="lt1"/>
+          </a:fontRef>
+        </p:style>
+        <p:txBody>
+          <a:bodyPr rtlCol="0" anchor="ctr"/>
+          <a:lstStyle/>
+          <a:p>
+            <a:pPr algn="ctr"/>
+            <a:r>
+              <a:rPr lang="en-GB" dirty="0">
+                <a:solidFill>
+                  <a:schemeClr val="tx1"/>
+                </a:solidFill>
+              </a:rPr>
+              <a:t>5</a:t>
             </a:r>
           </a:p>
         </p:txBody>
@@ -4663,6 +5167,75 @@
     <p:extLst>
       <p:ext uri="{BB962C8B-B14F-4D97-AF65-F5344CB8AC3E}">
         <p14:creationId xmlns:p14="http://schemas.microsoft.com/office/powerpoint/2010/main" val="2760240279"/>
+      </p:ext>
+    </p:extLst>
+  </p:cSld>
+  <p:clrMapOvr>
+    <a:masterClrMapping/>
+  </p:clrMapOvr>
+</p:sld>
+</file>
+
+<file path=ppt/slides/slide3.xml><?xml version="1.0" encoding="utf-8"?>
+<p:sld xmlns:a="http://schemas.openxmlformats.org/drawingml/2006/main" xmlns:r="http://schemas.openxmlformats.org/officeDocument/2006/relationships" xmlns:p="http://schemas.openxmlformats.org/presentationml/2006/main">
+  <p:cSld>
+    <p:spTree>
+      <p:nvGrpSpPr>
+        <p:cNvPr id="1" name=""/>
+        <p:cNvGrpSpPr/>
+        <p:nvPr/>
+      </p:nvGrpSpPr>
+      <p:grpSpPr>
+        <a:xfrm>
+          <a:off x="0" y="0"/>
+          <a:ext cx="0" cy="0"/>
+          <a:chOff x="0" y="0"/>
+          <a:chExt cx="0" cy="0"/>
+        </a:xfrm>
+      </p:grpSpPr>
+      <p:pic>
+        <p:nvPicPr>
+          <p:cNvPr id="15" name="Graphic 14">
+            <a:extLst>
+              <a:ext uri="{FF2B5EF4-FFF2-40B4-BE49-F238E27FC236}">
+                <a16:creationId xmlns:a16="http://schemas.microsoft.com/office/drawing/2014/main" id="{C95E28C3-B130-4740-8287-7A1D6CAC4340}"/>
+              </a:ext>
+            </a:extLst>
+          </p:cNvPr>
+          <p:cNvPicPr>
+            <a:picLocks noChangeAspect="1"/>
+          </p:cNvPicPr>
+          <p:nvPr/>
+        </p:nvPicPr>
+        <p:blipFill>
+          <a:blip r:embed="rId2">
+            <a:extLst>
+              <a:ext uri="{28A0092B-C50C-407E-A947-70E740481C1C}">
+                <a14:useLocalDpi xmlns:a14="http://schemas.microsoft.com/office/drawing/2010/main" val="0"/>
+              </a:ext>
+              <a:ext uri="{96DAC541-7B7A-43D3-8B79-37D633B846F1}">
+                <asvg:svgBlip xmlns:asvg="http://schemas.microsoft.com/office/drawing/2016/SVG/main" r:embed="rId3"/>
+              </a:ext>
+            </a:extLst>
+          </a:blip>
+          <a:stretch>
+            <a:fillRect/>
+          </a:stretch>
+        </p:blipFill>
+        <p:spPr>
+          <a:xfrm>
+            <a:off x="255321" y="426665"/>
+            <a:ext cx="11639485" cy="6004669"/>
+          </a:xfrm>
+          <a:prstGeom prst="rect">
+            <a:avLst/>
+          </a:prstGeom>
+        </p:spPr>
+      </p:pic>
+    </p:spTree>
+    <p:extLst>
+      <p:ext uri="{BB962C8B-B14F-4D97-AF65-F5344CB8AC3E}">
+        <p14:creationId xmlns:p14="http://schemas.microsoft.com/office/powerpoint/2010/main" val="762276323"/>
       </p:ext>
     </p:extLst>
   </p:cSld>
